--- a/Later/Spring/4_Dependency_Injection/2/IoC_Container_V2.pptx
+++ b/Later/Spring/4_Dependency_Injection/2/IoC_Container_V2.pptx
@@ -1202,18 +1202,18 @@
     </dgm:pt>
   </dgm:ptLst>
   <dgm:cxnLst>
+    <dgm:cxn modelId="{C1729C02-E019-44A6-BEBD-69B1E2F74333}" type="presOf" srcId="{82F9909A-B47C-4E36-87D6-9D258FEF0394}" destId="{7E7F2A1A-C446-4459-95B6-750B4959B2CC}" srcOrd="1" destOrd="0" presId="urn:microsoft.com/office/officeart/2005/8/layout/orgChart1"/>
+    <dgm:cxn modelId="{96F0DC30-AD94-4DE6-B6C2-B6D542330557}" type="presOf" srcId="{9593C554-47CB-44B1-A006-E6DBE0847A13}" destId="{87277B86-FDA6-4D88-9B12-282AC9475557}" srcOrd="0" destOrd="0" presId="urn:microsoft.com/office/officeart/2005/8/layout/orgChart1"/>
     <dgm:cxn modelId="{304232DC-F4F2-4E69-8116-3041A3F3AD7A}" type="presOf" srcId="{C34EAFC4-F044-4116-A6E2-7DC8551E799F}" destId="{0B1A49C3-4189-4E07-9010-A790373BD2F7}" srcOrd="0" destOrd="0" presId="urn:microsoft.com/office/officeart/2005/8/layout/orgChart1"/>
     <dgm:cxn modelId="{AA48FA70-3BE0-4AE4-B791-43ECE5AA9E39}" type="presOf" srcId="{82F9909A-B47C-4E36-87D6-9D258FEF0394}" destId="{46F18CCB-1B3B-4748-9B67-67321ABEBAD6}" srcOrd="0" destOrd="0" presId="urn:microsoft.com/office/officeart/2005/8/layout/orgChart1"/>
+    <dgm:cxn modelId="{5BC420D6-D08E-4DA0-9E04-64755057C9D8}" type="presOf" srcId="{EBCE5327-7094-46DB-AF3E-880033E3437A}" destId="{BB4ED655-9399-4C7E-A6F0-480BA37361C6}" srcOrd="0" destOrd="0" presId="urn:microsoft.com/office/officeart/2005/8/layout/orgChart1"/>
+    <dgm:cxn modelId="{B3709592-D60F-49EB-81A2-C842E293AE0A}" type="presOf" srcId="{59A205F6-C929-476E-A69D-97A10F0FEB8A}" destId="{C1BEAAA8-C749-4D93-BDD4-F85BE3219169}" srcOrd="0" destOrd="0" presId="urn:microsoft.com/office/officeart/2005/8/layout/orgChart1"/>
+    <dgm:cxn modelId="{A1B9145C-779A-4637-A3E1-3BBC97B5EE0F}" srcId="{C34EAFC4-F044-4116-A6E2-7DC8551E799F}" destId="{A354167B-041D-45B3-9F03-BB6642F9082B}" srcOrd="1" destOrd="0" parTransId="{EBCE5327-7094-46DB-AF3E-880033E3437A}" sibTransId="{3762A0B0-E184-4836-9FFC-6582E0A741C9}"/>
     <dgm:cxn modelId="{3012BDB5-8FBE-4568-A284-CD59B5CA4CA6}" srcId="{C34EAFC4-F044-4116-A6E2-7DC8551E799F}" destId="{82F9909A-B47C-4E36-87D6-9D258FEF0394}" srcOrd="0" destOrd="0" parTransId="{9593C554-47CB-44B1-A006-E6DBE0847A13}" sibTransId="{00C05622-CDAE-4302-BED1-948EF7228D9C}"/>
+    <dgm:cxn modelId="{F4AB453E-3110-483A-8506-3E7D3322DE05}" type="presOf" srcId="{A354167B-041D-45B3-9F03-BB6642F9082B}" destId="{5E508914-DFAF-43AA-BC62-0124CE73C30C}" srcOrd="1" destOrd="0" presId="urn:microsoft.com/office/officeart/2005/8/layout/orgChart1"/>
+    <dgm:cxn modelId="{606D8A68-3701-4C84-9093-235EB2CF9B89}" type="presOf" srcId="{C34EAFC4-F044-4116-A6E2-7DC8551E799F}" destId="{670C3238-3DC5-4190-80D4-4AF535F11101}" srcOrd="1" destOrd="0" presId="urn:microsoft.com/office/officeart/2005/8/layout/orgChart1"/>
     <dgm:cxn modelId="{FE7B8A6A-55D7-41F9-9302-1216EC91BB30}" srcId="{59A205F6-C929-476E-A69D-97A10F0FEB8A}" destId="{C34EAFC4-F044-4116-A6E2-7DC8551E799F}" srcOrd="0" destOrd="0" parTransId="{638C288D-C547-46E4-A29D-4D237C3215AA}" sibTransId="{70DB7F35-93EC-42AD-A0B2-1BAF523C1A2F}"/>
-    <dgm:cxn modelId="{606D8A68-3701-4C84-9093-235EB2CF9B89}" type="presOf" srcId="{C34EAFC4-F044-4116-A6E2-7DC8551E799F}" destId="{670C3238-3DC5-4190-80D4-4AF535F11101}" srcOrd="1" destOrd="0" presId="urn:microsoft.com/office/officeart/2005/8/layout/orgChart1"/>
-    <dgm:cxn modelId="{96F0DC30-AD94-4DE6-B6C2-B6D542330557}" type="presOf" srcId="{9593C554-47CB-44B1-A006-E6DBE0847A13}" destId="{87277B86-FDA6-4D88-9B12-282AC9475557}" srcOrd="0" destOrd="0" presId="urn:microsoft.com/office/officeart/2005/8/layout/orgChart1"/>
-    <dgm:cxn modelId="{A1B9145C-779A-4637-A3E1-3BBC97B5EE0F}" srcId="{C34EAFC4-F044-4116-A6E2-7DC8551E799F}" destId="{A354167B-041D-45B3-9F03-BB6642F9082B}" srcOrd="1" destOrd="0" parTransId="{EBCE5327-7094-46DB-AF3E-880033E3437A}" sibTransId="{3762A0B0-E184-4836-9FFC-6582E0A741C9}"/>
-    <dgm:cxn modelId="{C1729C02-E019-44A6-BEBD-69B1E2F74333}" type="presOf" srcId="{82F9909A-B47C-4E36-87D6-9D258FEF0394}" destId="{7E7F2A1A-C446-4459-95B6-750B4959B2CC}" srcOrd="1" destOrd="0" presId="urn:microsoft.com/office/officeart/2005/8/layout/orgChart1"/>
-    <dgm:cxn modelId="{B3709592-D60F-49EB-81A2-C842E293AE0A}" type="presOf" srcId="{59A205F6-C929-476E-A69D-97A10F0FEB8A}" destId="{C1BEAAA8-C749-4D93-BDD4-F85BE3219169}" srcOrd="0" destOrd="0" presId="urn:microsoft.com/office/officeart/2005/8/layout/orgChart1"/>
     <dgm:cxn modelId="{D426C4A2-2307-48D9-B285-736BBE4A8862}" type="presOf" srcId="{A354167B-041D-45B3-9F03-BB6642F9082B}" destId="{1DD2FC7D-64AF-41D5-B0C5-82678B37DBCF}" srcOrd="0" destOrd="0" presId="urn:microsoft.com/office/officeart/2005/8/layout/orgChart1"/>
-    <dgm:cxn modelId="{F4AB453E-3110-483A-8506-3E7D3322DE05}" type="presOf" srcId="{A354167B-041D-45B3-9F03-BB6642F9082B}" destId="{5E508914-DFAF-43AA-BC62-0124CE73C30C}" srcOrd="1" destOrd="0" presId="urn:microsoft.com/office/officeart/2005/8/layout/orgChart1"/>
-    <dgm:cxn modelId="{5BC420D6-D08E-4DA0-9E04-64755057C9D8}" type="presOf" srcId="{EBCE5327-7094-46DB-AF3E-880033E3437A}" destId="{BB4ED655-9399-4C7E-A6F0-480BA37361C6}" srcOrd="0" destOrd="0" presId="urn:microsoft.com/office/officeart/2005/8/layout/orgChart1"/>
     <dgm:cxn modelId="{67305B1E-CA64-4083-A4F6-32A778CDAD29}" type="presParOf" srcId="{C1BEAAA8-C749-4D93-BDD4-F85BE3219169}" destId="{FB81B89E-08AF-4197-A305-9CB902A29B03}" srcOrd="0" destOrd="0" presId="urn:microsoft.com/office/officeart/2005/8/layout/orgChart1"/>
     <dgm:cxn modelId="{684DCE8F-49AF-4564-B28F-D49567EC959D}" type="presParOf" srcId="{FB81B89E-08AF-4197-A305-9CB902A29B03}" destId="{0AFA80D4-BBE4-47D7-8503-050CF01D033A}" srcOrd="0" destOrd="0" presId="urn:microsoft.com/office/officeart/2005/8/layout/orgChart1"/>
     <dgm:cxn modelId="{49776BB6-0E40-4DFD-8FB1-E9A0C2217608}" type="presParOf" srcId="{0AFA80D4-BBE4-47D7-8503-050CF01D033A}" destId="{0B1A49C3-4189-4E07-9010-A790373BD2F7}" srcOrd="0" destOrd="0" presId="urn:microsoft.com/office/officeart/2005/8/layout/orgChart1"/>
@@ -7858,15 +7858,7 @@
             <a:pPr algn="ctr"/>
             <a:r>
               <a:rPr lang="en-US" sz="1200" dirty="0" smtClean="0"/>
-              <a:t>Spring IoC</a:t>
-            </a:r>
-            <a:r>
-              <a:rPr lang="en-US" sz="1200" dirty="0" smtClean="0"/>
-              <a:t> </a:t>
-            </a:r>
-            <a:r>
-              <a:rPr lang="en-US" sz="1200" dirty="0" smtClean="0"/>
-              <a:t>Container</a:t>
+              <a:t>The Spring Container</a:t>
             </a:r>
             <a:endParaRPr lang="en-US" sz="1200" dirty="0"/>
           </a:p>
@@ -7908,7 +7900,14 @@
             <a:pPr algn="ctr"/>
             <a:r>
               <a:rPr lang="en-US" sz="1200" dirty="0" smtClean="0"/>
-              <a:t>Ready to use application</a:t>
+              <a:t>Fully Configured System</a:t>
+            </a:r>
+          </a:p>
+          <a:p>
+            <a:pPr algn="ctr"/>
+            <a:r>
+              <a:rPr lang="en-US" sz="1200" dirty="0" smtClean="0"/>
+              <a:t>Ready for Use</a:t>
             </a:r>
             <a:endParaRPr lang="en-US" sz="1200" dirty="0"/>
           </a:p>
@@ -7993,8 +7992,8 @@
         </p:nvSpPr>
         <p:spPr>
           <a:xfrm>
-            <a:off x="251770" y="465138"/>
-            <a:ext cx="8455025" cy="1828800"/>
+            <a:off x="251770" y="381000"/>
+            <a:ext cx="8455025" cy="1912938"/>
           </a:xfrm>
           <a:prstGeom prst="roundRect">
             <a:avLst/>
@@ -8065,7 +8064,37 @@
             </a:r>
             <a:r>
               <a:rPr lang="en-US" sz="1200" dirty="0"/>
-              <a:t>following diagram represents a high-level view of how Spring works. The Spring IoC container makes use of Java POJO classes and configuration metadata to produce a fully configured and executable system or application.</a:t>
+              <a:t>following diagram represents a high-level view of how Spring works. The Spring IoC container makes use of Java POJO classes and configuration metadata to produce a fully configured and executable system or application</a:t>
+            </a:r>
+            <a:r>
+              <a:rPr lang="en-US" sz="1200" dirty="0" smtClean="0"/>
+              <a:t>.</a:t>
+            </a:r>
+            <a:br>
+              <a:rPr lang="en-US" sz="1200" dirty="0" smtClean="0"/>
+            </a:br>
+            <a:endParaRPr lang="en-US" sz="1200" dirty="0" smtClean="0"/>
+          </a:p>
+          <a:p>
+            <a:pPr marL="228600" indent="-228600">
+              <a:buFont typeface="Wingdings" pitchFamily="2" charset="2"/>
+              <a:buChar char="ü"/>
+            </a:pPr>
+            <a:r>
+              <a:rPr lang="en-US" sz="1200" dirty="0"/>
+              <a:t>IoC is also known as </a:t>
+            </a:r>
+            <a:r>
+              <a:rPr lang="en-US" sz="1200" i="1" dirty="0"/>
+              <a:t>dependency injection</a:t>
+            </a:r>
+            <a:r>
+              <a:rPr lang="en-US" sz="1200" dirty="0"/>
+              <a:t> (DI</a:t>
+            </a:r>
+            <a:r>
+              <a:rPr lang="en-US" sz="1200" dirty="0" smtClean="0"/>
+              <a:t>).</a:t>
             </a:r>
             <a:endParaRPr lang="en-US" sz="1200" dirty="0"/>
           </a:p>
@@ -8108,8 +8137,9 @@
           <a:p>
             <a:r>
               <a:rPr lang="en-US" sz="800" dirty="0" smtClean="0"/>
-              <a:t>Metadata</a:t>
-            </a:r>
+              <a:t>Configuration Metadata</a:t>
+            </a:r>
+            <a:endParaRPr lang="en-US" sz="800" dirty="0" smtClean="0"/>
           </a:p>
           <a:p>
             <a:r>
@@ -8182,8 +8212,8 @@
         </p:nvSpPr>
         <p:spPr>
           <a:xfrm>
-            <a:off x="3536157" y="3407626"/>
-            <a:ext cx="1299908" cy="276999"/>
+            <a:off x="3536157" y="3209060"/>
+            <a:ext cx="1543756" cy="461665"/>
           </a:xfrm>
           <a:prstGeom prst="rect">
             <a:avLst/>
@@ -8211,7 +8241,13 @@
           <a:p>
             <a:r>
               <a:rPr lang="en-US" sz="1200" dirty="0" smtClean="0"/>
-              <a:t>Java POJO Classes</a:t>
+              <a:t>Your business Objects</a:t>
+            </a:r>
+          </a:p>
+          <a:p>
+            <a:r>
+              <a:rPr lang="en-US" sz="1200" dirty="0" smtClean="0"/>
+              <a:t>(POJO’s)</a:t>
             </a:r>
             <a:endParaRPr lang="en-US" sz="1200" dirty="0"/>
           </a:p>
@@ -8226,7 +8262,7 @@
         <p:spPr>
           <a:xfrm>
             <a:off x="4440540" y="4113638"/>
-            <a:ext cx="900118" cy="276999"/>
+            <a:ext cx="760849" cy="276999"/>
           </a:xfrm>
           <a:prstGeom prst="rect">
             <a:avLst/>
@@ -8254,7 +8290,7 @@
           <a:p>
             <a:r>
               <a:rPr lang="en-US" sz="1200" dirty="0" smtClean="0"/>
-              <a:t>Final Result</a:t>
+              <a:t>Produces</a:t>
             </a:r>
             <a:endParaRPr lang="en-US" sz="1200" dirty="0"/>
           </a:p>
@@ -8345,13 +8381,13 @@
         </p:nvSpPr>
         <p:spPr>
           <a:xfrm>
-            <a:off x="4878180" y="2438400"/>
-            <a:ext cx="4017660" cy="880232"/>
+            <a:off x="5562600" y="2438400"/>
+            <a:ext cx="2971800" cy="880232"/>
           </a:xfrm>
           <a:prstGeom prst="wedgeRectCallout">
             <a:avLst>
-              <a:gd name="adj1" fmla="val -74864"/>
-              <a:gd name="adj2" fmla="val 149068"/>
+              <a:gd name="adj1" fmla="val -100185"/>
+              <a:gd name="adj2" fmla="val 153396"/>
             </a:avLst>
           </a:prstGeom>
           <a:ln w="3175"/>
@@ -8460,9 +8496,142 @@
   <p:timing>
     <p:tnLst>
       <p:par>
-        <p:cTn id="1" dur="indefinite" restart="never" nodeType="tmRoot"/>
+        <p:cTn id="1" dur="indefinite" restart="never" nodeType="tmRoot">
+          <p:childTnLst>
+            <p:seq concurrent="1" nextAc="seek">
+              <p:cTn id="2" dur="indefinite" nodeType="mainSeq">
+                <p:childTnLst>
+                  <p:par>
+                    <p:cTn id="3" fill="hold">
+                      <p:stCondLst>
+                        <p:cond delay="indefinite"/>
+                      </p:stCondLst>
+                      <p:childTnLst>
+                        <p:par>
+                          <p:cTn id="4" fill="hold">
+                            <p:stCondLst>
+                              <p:cond delay="0"/>
+                            </p:stCondLst>
+                            <p:childTnLst>
+                              <p:par>
+                                <p:cTn id="5" presetID="22" presetClass="entr" presetSubtype="4" fill="hold" grpId="0" nodeType="clickEffect">
+                                  <p:stCondLst>
+                                    <p:cond delay="0"/>
+                                  </p:stCondLst>
+                                  <p:childTnLst>
+                                    <p:set>
+                                      <p:cBhvr>
+                                        <p:cTn id="6" dur="1" fill="hold">
+                                          <p:stCondLst>
+                                            <p:cond delay="0"/>
+                                          </p:stCondLst>
+                                        </p:cTn>
+                                        <p:tgtEl>
+                                          <p:spTgt spid="23"/>
+                                        </p:tgtEl>
+                                        <p:attrNameLst>
+                                          <p:attrName>style.visibility</p:attrName>
+                                        </p:attrNameLst>
+                                      </p:cBhvr>
+                                      <p:to>
+                                        <p:strVal val="visible"/>
+                                      </p:to>
+                                    </p:set>
+                                    <p:animEffect transition="in" filter="wipe(down)">
+                                      <p:cBhvr>
+                                        <p:cTn id="7" dur="500"/>
+                                        <p:tgtEl>
+                                          <p:spTgt spid="23"/>
+                                        </p:tgtEl>
+                                      </p:cBhvr>
+                                    </p:animEffect>
+                                  </p:childTnLst>
+                                </p:cTn>
+                              </p:par>
+                            </p:childTnLst>
+                          </p:cTn>
+                        </p:par>
+                      </p:childTnLst>
+                    </p:cTn>
+                  </p:par>
+                  <p:par>
+                    <p:cTn id="8" fill="hold">
+                      <p:stCondLst>
+                        <p:cond delay="indefinite"/>
+                      </p:stCondLst>
+                      <p:childTnLst>
+                        <p:par>
+                          <p:cTn id="9" fill="hold">
+                            <p:stCondLst>
+                              <p:cond delay="0"/>
+                            </p:stCondLst>
+                            <p:childTnLst>
+                              <p:par>
+                                <p:cTn id="10" presetID="22" presetClass="entr" presetSubtype="4" fill="hold" grpId="0" nodeType="clickEffect">
+                                  <p:stCondLst>
+                                    <p:cond delay="0"/>
+                                  </p:stCondLst>
+                                  <p:childTnLst>
+                                    <p:set>
+                                      <p:cBhvr>
+                                        <p:cTn id="11" dur="1" fill="hold">
+                                          <p:stCondLst>
+                                            <p:cond delay="0"/>
+                                          </p:stCondLst>
+                                        </p:cTn>
+                                        <p:tgtEl>
+                                          <p:spTgt spid="26"/>
+                                        </p:tgtEl>
+                                        <p:attrNameLst>
+                                          <p:attrName>style.visibility</p:attrName>
+                                        </p:attrNameLst>
+                                      </p:cBhvr>
+                                      <p:to>
+                                        <p:strVal val="visible"/>
+                                      </p:to>
+                                    </p:set>
+                                    <p:animEffect transition="in" filter="wipe(down)">
+                                      <p:cBhvr>
+                                        <p:cTn id="12" dur="500"/>
+                                        <p:tgtEl>
+                                          <p:spTgt spid="26"/>
+                                        </p:tgtEl>
+                                      </p:cBhvr>
+                                    </p:animEffect>
+                                  </p:childTnLst>
+                                </p:cTn>
+                              </p:par>
+                            </p:childTnLst>
+                          </p:cTn>
+                        </p:par>
+                      </p:childTnLst>
+                    </p:cTn>
+                  </p:par>
+                </p:childTnLst>
+              </p:cTn>
+              <p:prevCondLst>
+                <p:cond evt="onPrev" delay="0">
+                  <p:tgtEl>
+                    <p:sldTgt/>
+                  </p:tgtEl>
+                </p:cond>
+              </p:prevCondLst>
+              <p:nextCondLst>
+                <p:cond evt="onNext" delay="0">
+                  <p:tgtEl>
+                    <p:sldTgt/>
+                  </p:tgtEl>
+                </p:cond>
+              </p:nextCondLst>
+            </p:seq>
+          </p:childTnLst>
+        </p:cTn>
       </p:par>
     </p:tnLst>
+    <p:bldLst>
+      <p:bldP spid="23" grpId="0" animBg="1"/>
+      <p:bldP spid="26" grpId="0" animBg="1"/>
+    </p:bldLst>
   </p:timing>
 </p:sld>
 </file>
@@ -8769,33 +8938,8 @@
             </a:r>
             <a:r>
               <a:rPr lang="en-US" sz="1000" dirty="0"/>
-              <a:t> and related interfaces, such as </a:t>
-            </a:r>
-            <a:r>
-              <a:rPr lang="en-US" sz="1000" dirty="0"/>
-              <a:t>BeanFactoryAware</a:t>
-            </a:r>
-            <a:r>
-              <a:rPr lang="en-US" sz="1000" dirty="0"/>
-              <a:t>, </a:t>
-            </a:r>
-            <a:r>
-              <a:rPr lang="en-US" sz="1000" dirty="0"/>
-              <a:t>InitializingBean</a:t>
-            </a:r>
-            <a:r>
-              <a:rPr lang="en-US" sz="1000" dirty="0"/>
-              <a:t>, </a:t>
-            </a:r>
-            <a:r>
-              <a:rPr lang="en-US" sz="1000" dirty="0"/>
-              <a:t>DisposableBean</a:t>
-            </a:r>
-            <a:r>
-              <a:rPr lang="en-US" sz="1000" dirty="0"/>
-              <a:t>, are still present in Spring for the purpose of backward compatibility with a large number of third-party frameworks that integrate with Spring.</a:t>
-            </a:r>
-            <a:endParaRPr lang="en-US" sz="1000" dirty="0"/>
+              <a:t> and related interfaces, such as BeanFactoryAware, InitializingBean, DisposableBean, are still present in Spring for the purpose of backward compatibility with a large number of third-party frameworks that integrate with Spring.</a:t>
+            </a:r>
           </a:p>
         </p:txBody>
       </p:sp>
@@ -8896,11 +9040,7 @@
             </a:r>
             <a:r>
               <a:rPr lang="en-US" sz="1000" dirty="0"/>
-              <a:t>container</a:t>
-            </a:r>
-            <a:r>
-              <a:rPr lang="en-US" sz="1000" dirty="0"/>
-              <a:t>, so it is generally recommended over </a:t>
+              <a:t>container, so it is generally recommended over </a:t>
             </a:r>
             <a:r>
               <a:rPr lang="en-US" sz="1000" i="1" dirty="0"/>
@@ -8910,7 +9050,6 @@
               <a:rPr lang="en-US" sz="1000" dirty="0"/>
               <a:t>. BeanFactory can still be used for lightweight applications like mobile devices or applet-based applications where data volume and speed is significant.</a:t>
             </a:r>
-            <a:endParaRPr lang="en-US" sz="1000" dirty="0"/>
           </a:p>
         </p:txBody>
       </p:sp>

--- a/Later/Spring/4_Dependency_Injection/2/IoC_Container_V2.pptx
+++ b/Later/Spring/4_Dependency_Injection/2/IoC_Container_V2.pptx
@@ -1202,18 +1202,18 @@
     </dgm:pt>
   </dgm:ptLst>
   <dgm:cxnLst>
-    <dgm:cxn modelId="{C1729C02-E019-44A6-BEBD-69B1E2F74333}" type="presOf" srcId="{82F9909A-B47C-4E36-87D6-9D258FEF0394}" destId="{7E7F2A1A-C446-4459-95B6-750B4959B2CC}" srcOrd="1" destOrd="0" presId="urn:microsoft.com/office/officeart/2005/8/layout/orgChart1"/>
-    <dgm:cxn modelId="{96F0DC30-AD94-4DE6-B6C2-B6D542330557}" type="presOf" srcId="{9593C554-47CB-44B1-A006-E6DBE0847A13}" destId="{87277B86-FDA6-4D88-9B12-282AC9475557}" srcOrd="0" destOrd="0" presId="urn:microsoft.com/office/officeart/2005/8/layout/orgChart1"/>
     <dgm:cxn modelId="{304232DC-F4F2-4E69-8116-3041A3F3AD7A}" type="presOf" srcId="{C34EAFC4-F044-4116-A6E2-7DC8551E799F}" destId="{0B1A49C3-4189-4E07-9010-A790373BD2F7}" srcOrd="0" destOrd="0" presId="urn:microsoft.com/office/officeart/2005/8/layout/orgChart1"/>
     <dgm:cxn modelId="{AA48FA70-3BE0-4AE4-B791-43ECE5AA9E39}" type="presOf" srcId="{82F9909A-B47C-4E36-87D6-9D258FEF0394}" destId="{46F18CCB-1B3B-4748-9B67-67321ABEBAD6}" srcOrd="0" destOrd="0" presId="urn:microsoft.com/office/officeart/2005/8/layout/orgChart1"/>
+    <dgm:cxn modelId="{3012BDB5-8FBE-4568-A284-CD59B5CA4CA6}" srcId="{C34EAFC4-F044-4116-A6E2-7DC8551E799F}" destId="{82F9909A-B47C-4E36-87D6-9D258FEF0394}" srcOrd="0" destOrd="0" parTransId="{9593C554-47CB-44B1-A006-E6DBE0847A13}" sibTransId="{00C05622-CDAE-4302-BED1-948EF7228D9C}"/>
+    <dgm:cxn modelId="{FE7B8A6A-55D7-41F9-9302-1216EC91BB30}" srcId="{59A205F6-C929-476E-A69D-97A10F0FEB8A}" destId="{C34EAFC4-F044-4116-A6E2-7DC8551E799F}" srcOrd="0" destOrd="0" parTransId="{638C288D-C547-46E4-A29D-4D237C3215AA}" sibTransId="{70DB7F35-93EC-42AD-A0B2-1BAF523C1A2F}"/>
+    <dgm:cxn modelId="{606D8A68-3701-4C84-9093-235EB2CF9B89}" type="presOf" srcId="{C34EAFC4-F044-4116-A6E2-7DC8551E799F}" destId="{670C3238-3DC5-4190-80D4-4AF535F11101}" srcOrd="1" destOrd="0" presId="urn:microsoft.com/office/officeart/2005/8/layout/orgChart1"/>
+    <dgm:cxn modelId="{96F0DC30-AD94-4DE6-B6C2-B6D542330557}" type="presOf" srcId="{9593C554-47CB-44B1-A006-E6DBE0847A13}" destId="{87277B86-FDA6-4D88-9B12-282AC9475557}" srcOrd="0" destOrd="0" presId="urn:microsoft.com/office/officeart/2005/8/layout/orgChart1"/>
+    <dgm:cxn modelId="{A1B9145C-779A-4637-A3E1-3BBC97B5EE0F}" srcId="{C34EAFC4-F044-4116-A6E2-7DC8551E799F}" destId="{A354167B-041D-45B3-9F03-BB6642F9082B}" srcOrd="1" destOrd="0" parTransId="{EBCE5327-7094-46DB-AF3E-880033E3437A}" sibTransId="{3762A0B0-E184-4836-9FFC-6582E0A741C9}"/>
+    <dgm:cxn modelId="{C1729C02-E019-44A6-BEBD-69B1E2F74333}" type="presOf" srcId="{82F9909A-B47C-4E36-87D6-9D258FEF0394}" destId="{7E7F2A1A-C446-4459-95B6-750B4959B2CC}" srcOrd="1" destOrd="0" presId="urn:microsoft.com/office/officeart/2005/8/layout/orgChart1"/>
+    <dgm:cxn modelId="{B3709592-D60F-49EB-81A2-C842E293AE0A}" type="presOf" srcId="{59A205F6-C929-476E-A69D-97A10F0FEB8A}" destId="{C1BEAAA8-C749-4D93-BDD4-F85BE3219169}" srcOrd="0" destOrd="0" presId="urn:microsoft.com/office/officeart/2005/8/layout/orgChart1"/>
+    <dgm:cxn modelId="{D426C4A2-2307-48D9-B285-736BBE4A8862}" type="presOf" srcId="{A354167B-041D-45B3-9F03-BB6642F9082B}" destId="{1DD2FC7D-64AF-41D5-B0C5-82678B37DBCF}" srcOrd="0" destOrd="0" presId="urn:microsoft.com/office/officeart/2005/8/layout/orgChart1"/>
+    <dgm:cxn modelId="{F4AB453E-3110-483A-8506-3E7D3322DE05}" type="presOf" srcId="{A354167B-041D-45B3-9F03-BB6642F9082B}" destId="{5E508914-DFAF-43AA-BC62-0124CE73C30C}" srcOrd="1" destOrd="0" presId="urn:microsoft.com/office/officeart/2005/8/layout/orgChart1"/>
     <dgm:cxn modelId="{5BC420D6-D08E-4DA0-9E04-64755057C9D8}" type="presOf" srcId="{EBCE5327-7094-46DB-AF3E-880033E3437A}" destId="{BB4ED655-9399-4C7E-A6F0-480BA37361C6}" srcOrd="0" destOrd="0" presId="urn:microsoft.com/office/officeart/2005/8/layout/orgChart1"/>
-    <dgm:cxn modelId="{B3709592-D60F-49EB-81A2-C842E293AE0A}" type="presOf" srcId="{59A205F6-C929-476E-A69D-97A10F0FEB8A}" destId="{C1BEAAA8-C749-4D93-BDD4-F85BE3219169}" srcOrd="0" destOrd="0" presId="urn:microsoft.com/office/officeart/2005/8/layout/orgChart1"/>
-    <dgm:cxn modelId="{A1B9145C-779A-4637-A3E1-3BBC97B5EE0F}" srcId="{C34EAFC4-F044-4116-A6E2-7DC8551E799F}" destId="{A354167B-041D-45B3-9F03-BB6642F9082B}" srcOrd="1" destOrd="0" parTransId="{EBCE5327-7094-46DB-AF3E-880033E3437A}" sibTransId="{3762A0B0-E184-4836-9FFC-6582E0A741C9}"/>
-    <dgm:cxn modelId="{3012BDB5-8FBE-4568-A284-CD59B5CA4CA6}" srcId="{C34EAFC4-F044-4116-A6E2-7DC8551E799F}" destId="{82F9909A-B47C-4E36-87D6-9D258FEF0394}" srcOrd="0" destOrd="0" parTransId="{9593C554-47CB-44B1-A006-E6DBE0847A13}" sibTransId="{00C05622-CDAE-4302-BED1-948EF7228D9C}"/>
-    <dgm:cxn modelId="{F4AB453E-3110-483A-8506-3E7D3322DE05}" type="presOf" srcId="{A354167B-041D-45B3-9F03-BB6642F9082B}" destId="{5E508914-DFAF-43AA-BC62-0124CE73C30C}" srcOrd="1" destOrd="0" presId="urn:microsoft.com/office/officeart/2005/8/layout/orgChart1"/>
-    <dgm:cxn modelId="{606D8A68-3701-4C84-9093-235EB2CF9B89}" type="presOf" srcId="{C34EAFC4-F044-4116-A6E2-7DC8551E799F}" destId="{670C3238-3DC5-4190-80D4-4AF535F11101}" srcOrd="1" destOrd="0" presId="urn:microsoft.com/office/officeart/2005/8/layout/orgChart1"/>
-    <dgm:cxn modelId="{FE7B8A6A-55D7-41F9-9302-1216EC91BB30}" srcId="{59A205F6-C929-476E-A69D-97A10F0FEB8A}" destId="{C34EAFC4-F044-4116-A6E2-7DC8551E799F}" srcOrd="0" destOrd="0" parTransId="{638C288D-C547-46E4-A29D-4D237C3215AA}" sibTransId="{70DB7F35-93EC-42AD-A0B2-1BAF523C1A2F}"/>
-    <dgm:cxn modelId="{D426C4A2-2307-48D9-B285-736BBE4A8862}" type="presOf" srcId="{A354167B-041D-45B3-9F03-BB6642F9082B}" destId="{1DD2FC7D-64AF-41D5-B0C5-82678B37DBCF}" srcOrd="0" destOrd="0" presId="urn:microsoft.com/office/officeart/2005/8/layout/orgChart1"/>
     <dgm:cxn modelId="{67305B1E-CA64-4083-A4F6-32A778CDAD29}" type="presParOf" srcId="{C1BEAAA8-C749-4D93-BDD4-F85BE3219169}" destId="{FB81B89E-08AF-4197-A305-9CB902A29B03}" srcOrd="0" destOrd="0" presId="urn:microsoft.com/office/officeart/2005/8/layout/orgChart1"/>
     <dgm:cxn modelId="{684DCE8F-49AF-4564-B28F-D49567EC959D}" type="presParOf" srcId="{FB81B89E-08AF-4197-A305-9CB902A29B03}" destId="{0AFA80D4-BBE4-47D7-8503-050CF01D033A}" srcOrd="0" destOrd="0" presId="urn:microsoft.com/office/officeart/2005/8/layout/orgChart1"/>
     <dgm:cxn modelId="{49776BB6-0E40-4DFD-8FB1-E9A0C2217608}" type="presParOf" srcId="{0AFA80D4-BBE4-47D7-8503-050CF01D033A}" destId="{0B1A49C3-4189-4E07-9010-A790373BD2F7}" srcOrd="0" destOrd="0" presId="urn:microsoft.com/office/officeart/2005/8/layout/orgChart1"/>
@@ -3978,7 +3978,7 @@
           <a:p>
             <a:fld id="{62274EC6-3890-417B-9308-14EFBD00FA63}" type="datetimeFigureOut">
               <a:rPr lang="en-US" smtClean="0"/>
-              <a:t>12/25/2017</a:t>
+              <a:t>12/27/2017</a:t>
             </a:fld>
             <a:endParaRPr lang="en-US" dirty="0"/>
           </a:p>
@@ -4784,7 +4784,7 @@
             <a:fld id="{1D8BD707-D9CF-40AE-B4C6-C98DA3205C09}" type="datetimeFigureOut">
               <a:rPr lang="en-US" smtClean="0"/>
               <a:pPr/>
-              <a:t>12/25/2017</a:t>
+              <a:t>12/27/2017</a:t>
             </a:fld>
             <a:endParaRPr lang="en-US" dirty="0"/>
           </a:p>
@@ -4956,7 +4956,7 @@
             <a:fld id="{1D8BD707-D9CF-40AE-B4C6-C98DA3205C09}" type="datetimeFigureOut">
               <a:rPr lang="en-US" smtClean="0"/>
               <a:pPr/>
-              <a:t>12/25/2017</a:t>
+              <a:t>12/27/2017</a:t>
             </a:fld>
             <a:endParaRPr lang="en-US" dirty="0"/>
           </a:p>
@@ -5138,7 +5138,7 @@
             <a:fld id="{1D8BD707-D9CF-40AE-B4C6-C98DA3205C09}" type="datetimeFigureOut">
               <a:rPr lang="en-US" smtClean="0"/>
               <a:pPr/>
-              <a:t>12/25/2017</a:t>
+              <a:t>12/27/2017</a:t>
             </a:fld>
             <a:endParaRPr lang="en-US" dirty="0"/>
           </a:p>
@@ -5310,7 +5310,7 @@
             <a:fld id="{1D8BD707-D9CF-40AE-B4C6-C98DA3205C09}" type="datetimeFigureOut">
               <a:rPr lang="en-US" smtClean="0"/>
               <a:pPr/>
-              <a:t>12/25/2017</a:t>
+              <a:t>12/27/2017</a:t>
             </a:fld>
             <a:endParaRPr lang="en-US" dirty="0"/>
           </a:p>
@@ -5558,7 +5558,7 @@
             <a:fld id="{1D8BD707-D9CF-40AE-B4C6-C98DA3205C09}" type="datetimeFigureOut">
               <a:rPr lang="en-US" smtClean="0"/>
               <a:pPr/>
-              <a:t>12/25/2017</a:t>
+              <a:t>12/27/2017</a:t>
             </a:fld>
             <a:endParaRPr lang="en-US" dirty="0"/>
           </a:p>
@@ -5848,7 +5848,7 @@
             <a:fld id="{1D8BD707-D9CF-40AE-B4C6-C98DA3205C09}" type="datetimeFigureOut">
               <a:rPr lang="en-US" smtClean="0"/>
               <a:pPr/>
-              <a:t>12/25/2017</a:t>
+              <a:t>12/27/2017</a:t>
             </a:fld>
             <a:endParaRPr lang="en-US" dirty="0"/>
           </a:p>
@@ -6277,7 +6277,7 @@
             <a:fld id="{1D8BD707-D9CF-40AE-B4C6-C98DA3205C09}" type="datetimeFigureOut">
               <a:rPr lang="en-US" smtClean="0"/>
               <a:pPr/>
-              <a:t>12/25/2017</a:t>
+              <a:t>12/27/2017</a:t>
             </a:fld>
             <a:endParaRPr lang="en-US" dirty="0"/>
           </a:p>
@@ -6397,7 +6397,7 @@
             <a:fld id="{1D8BD707-D9CF-40AE-B4C6-C98DA3205C09}" type="datetimeFigureOut">
               <a:rPr lang="en-US" smtClean="0"/>
               <a:pPr/>
-              <a:t>12/25/2017</a:t>
+              <a:t>12/27/2017</a:t>
             </a:fld>
             <a:endParaRPr lang="en-US" dirty="0"/>
           </a:p>
@@ -6494,7 +6494,7 @@
             <a:fld id="{1D8BD707-D9CF-40AE-B4C6-C98DA3205C09}" type="datetimeFigureOut">
               <a:rPr lang="en-US" smtClean="0"/>
               <a:pPr/>
-              <a:t>12/25/2017</a:t>
+              <a:t>12/27/2017</a:t>
             </a:fld>
             <a:endParaRPr lang="en-US" dirty="0"/>
           </a:p>
@@ -6773,7 +6773,7 @@
             <a:fld id="{1D8BD707-D9CF-40AE-B4C6-C98DA3205C09}" type="datetimeFigureOut">
               <a:rPr lang="en-US" smtClean="0"/>
               <a:pPr/>
-              <a:t>12/25/2017</a:t>
+              <a:t>12/27/2017</a:t>
             </a:fld>
             <a:endParaRPr lang="en-US" dirty="0"/>
           </a:p>
@@ -7028,7 +7028,7 @@
             <a:fld id="{1D8BD707-D9CF-40AE-B4C6-C98DA3205C09}" type="datetimeFigureOut">
               <a:rPr lang="en-US" smtClean="0"/>
               <a:pPr/>
-              <a:t>12/25/2017</a:t>
+              <a:t>12/27/2017</a:t>
             </a:fld>
             <a:endParaRPr lang="en-US" dirty="0"/>
           </a:p>
@@ -7243,7 +7243,7 @@
             <a:fld id="{1D8BD707-D9CF-40AE-B4C6-C98DA3205C09}" type="datetimeFigureOut">
               <a:rPr lang="en-US" smtClean="0"/>
               <a:pPr/>
-              <a:t>12/25/2017</a:t>
+              <a:t>12/27/2017</a:t>
             </a:fld>
             <a:endParaRPr lang="en-US" dirty="0"/>
           </a:p>
@@ -8139,7 +8139,6 @@
               <a:rPr lang="en-US" sz="800" dirty="0" smtClean="0"/>
               <a:t>Configuration Metadata</a:t>
             </a:r>
-            <a:endParaRPr lang="en-US" sz="800" dirty="0" smtClean="0"/>
           </a:p>
           <a:p>
             <a:r>
@@ -8347,8 +8346,9 @@
             </a:r>
             <a:r>
               <a:rPr lang="en-US" sz="1100" dirty="0" smtClean="0"/>
-              <a:t>instantiate,?</a:t>
-            </a:r>
+              <a:t>instantiate?</a:t>
+            </a:r>
+            <a:endParaRPr lang="en-US" sz="1100" dirty="0" smtClean="0"/>
           </a:p>
           <a:p>
             <a:pPr marL="171450" indent="-171450">
@@ -8357,8 +8357,13 @@
             </a:pPr>
             <a:r>
               <a:rPr lang="en-US" sz="1100" dirty="0" smtClean="0"/>
-              <a:t>What objects to configure?</a:t>
-            </a:r>
+              <a:t>What objects to </a:t>
+            </a:r>
+            <a:r>
+              <a:rPr lang="en-US" sz="1100" dirty="0" smtClean="0"/>
+              <a:t>configure and how to configure?</a:t>
+            </a:r>
+            <a:endParaRPr lang="en-US" sz="1100" dirty="0" smtClean="0"/>
           </a:p>
           <a:p>
             <a:pPr marL="171450" indent="-171450">

--- a/Later/Spring/4_Dependency_Injection/2/IoC_Container_V2.pptx
+++ b/Later/Spring/4_Dependency_Injection/2/IoC_Container_V2.pptx
@@ -1202,18 +1202,18 @@
     </dgm:pt>
   </dgm:ptLst>
   <dgm:cxnLst>
+    <dgm:cxn modelId="{C1729C02-E019-44A6-BEBD-69B1E2F74333}" type="presOf" srcId="{82F9909A-B47C-4E36-87D6-9D258FEF0394}" destId="{7E7F2A1A-C446-4459-95B6-750B4959B2CC}" srcOrd="1" destOrd="0" presId="urn:microsoft.com/office/officeart/2005/8/layout/orgChart1"/>
+    <dgm:cxn modelId="{96F0DC30-AD94-4DE6-B6C2-B6D542330557}" type="presOf" srcId="{9593C554-47CB-44B1-A006-E6DBE0847A13}" destId="{87277B86-FDA6-4D88-9B12-282AC9475557}" srcOrd="0" destOrd="0" presId="urn:microsoft.com/office/officeart/2005/8/layout/orgChart1"/>
     <dgm:cxn modelId="{304232DC-F4F2-4E69-8116-3041A3F3AD7A}" type="presOf" srcId="{C34EAFC4-F044-4116-A6E2-7DC8551E799F}" destId="{0B1A49C3-4189-4E07-9010-A790373BD2F7}" srcOrd="0" destOrd="0" presId="urn:microsoft.com/office/officeart/2005/8/layout/orgChart1"/>
     <dgm:cxn modelId="{AA48FA70-3BE0-4AE4-B791-43ECE5AA9E39}" type="presOf" srcId="{82F9909A-B47C-4E36-87D6-9D258FEF0394}" destId="{46F18CCB-1B3B-4748-9B67-67321ABEBAD6}" srcOrd="0" destOrd="0" presId="urn:microsoft.com/office/officeart/2005/8/layout/orgChart1"/>
+    <dgm:cxn modelId="{5BC420D6-D08E-4DA0-9E04-64755057C9D8}" type="presOf" srcId="{EBCE5327-7094-46DB-AF3E-880033E3437A}" destId="{BB4ED655-9399-4C7E-A6F0-480BA37361C6}" srcOrd="0" destOrd="0" presId="urn:microsoft.com/office/officeart/2005/8/layout/orgChart1"/>
+    <dgm:cxn modelId="{B3709592-D60F-49EB-81A2-C842E293AE0A}" type="presOf" srcId="{59A205F6-C929-476E-A69D-97A10F0FEB8A}" destId="{C1BEAAA8-C749-4D93-BDD4-F85BE3219169}" srcOrd="0" destOrd="0" presId="urn:microsoft.com/office/officeart/2005/8/layout/orgChart1"/>
+    <dgm:cxn modelId="{A1B9145C-779A-4637-A3E1-3BBC97B5EE0F}" srcId="{C34EAFC4-F044-4116-A6E2-7DC8551E799F}" destId="{A354167B-041D-45B3-9F03-BB6642F9082B}" srcOrd="1" destOrd="0" parTransId="{EBCE5327-7094-46DB-AF3E-880033E3437A}" sibTransId="{3762A0B0-E184-4836-9FFC-6582E0A741C9}"/>
     <dgm:cxn modelId="{3012BDB5-8FBE-4568-A284-CD59B5CA4CA6}" srcId="{C34EAFC4-F044-4116-A6E2-7DC8551E799F}" destId="{82F9909A-B47C-4E36-87D6-9D258FEF0394}" srcOrd="0" destOrd="0" parTransId="{9593C554-47CB-44B1-A006-E6DBE0847A13}" sibTransId="{00C05622-CDAE-4302-BED1-948EF7228D9C}"/>
+    <dgm:cxn modelId="{F4AB453E-3110-483A-8506-3E7D3322DE05}" type="presOf" srcId="{A354167B-041D-45B3-9F03-BB6642F9082B}" destId="{5E508914-DFAF-43AA-BC62-0124CE73C30C}" srcOrd="1" destOrd="0" presId="urn:microsoft.com/office/officeart/2005/8/layout/orgChart1"/>
+    <dgm:cxn modelId="{606D8A68-3701-4C84-9093-235EB2CF9B89}" type="presOf" srcId="{C34EAFC4-F044-4116-A6E2-7DC8551E799F}" destId="{670C3238-3DC5-4190-80D4-4AF535F11101}" srcOrd="1" destOrd="0" presId="urn:microsoft.com/office/officeart/2005/8/layout/orgChart1"/>
     <dgm:cxn modelId="{FE7B8A6A-55D7-41F9-9302-1216EC91BB30}" srcId="{59A205F6-C929-476E-A69D-97A10F0FEB8A}" destId="{C34EAFC4-F044-4116-A6E2-7DC8551E799F}" srcOrd="0" destOrd="0" parTransId="{638C288D-C547-46E4-A29D-4D237C3215AA}" sibTransId="{70DB7F35-93EC-42AD-A0B2-1BAF523C1A2F}"/>
-    <dgm:cxn modelId="{606D8A68-3701-4C84-9093-235EB2CF9B89}" type="presOf" srcId="{C34EAFC4-F044-4116-A6E2-7DC8551E799F}" destId="{670C3238-3DC5-4190-80D4-4AF535F11101}" srcOrd="1" destOrd="0" presId="urn:microsoft.com/office/officeart/2005/8/layout/orgChart1"/>
-    <dgm:cxn modelId="{96F0DC30-AD94-4DE6-B6C2-B6D542330557}" type="presOf" srcId="{9593C554-47CB-44B1-A006-E6DBE0847A13}" destId="{87277B86-FDA6-4D88-9B12-282AC9475557}" srcOrd="0" destOrd="0" presId="urn:microsoft.com/office/officeart/2005/8/layout/orgChart1"/>
-    <dgm:cxn modelId="{A1B9145C-779A-4637-A3E1-3BBC97B5EE0F}" srcId="{C34EAFC4-F044-4116-A6E2-7DC8551E799F}" destId="{A354167B-041D-45B3-9F03-BB6642F9082B}" srcOrd="1" destOrd="0" parTransId="{EBCE5327-7094-46DB-AF3E-880033E3437A}" sibTransId="{3762A0B0-E184-4836-9FFC-6582E0A741C9}"/>
-    <dgm:cxn modelId="{C1729C02-E019-44A6-BEBD-69B1E2F74333}" type="presOf" srcId="{82F9909A-B47C-4E36-87D6-9D258FEF0394}" destId="{7E7F2A1A-C446-4459-95B6-750B4959B2CC}" srcOrd="1" destOrd="0" presId="urn:microsoft.com/office/officeart/2005/8/layout/orgChart1"/>
-    <dgm:cxn modelId="{B3709592-D60F-49EB-81A2-C842E293AE0A}" type="presOf" srcId="{59A205F6-C929-476E-A69D-97A10F0FEB8A}" destId="{C1BEAAA8-C749-4D93-BDD4-F85BE3219169}" srcOrd="0" destOrd="0" presId="urn:microsoft.com/office/officeart/2005/8/layout/orgChart1"/>
     <dgm:cxn modelId="{D426C4A2-2307-48D9-B285-736BBE4A8862}" type="presOf" srcId="{A354167B-041D-45B3-9F03-BB6642F9082B}" destId="{1DD2FC7D-64AF-41D5-B0C5-82678B37DBCF}" srcOrd="0" destOrd="0" presId="urn:microsoft.com/office/officeart/2005/8/layout/orgChart1"/>
-    <dgm:cxn modelId="{F4AB453E-3110-483A-8506-3E7D3322DE05}" type="presOf" srcId="{A354167B-041D-45B3-9F03-BB6642F9082B}" destId="{5E508914-DFAF-43AA-BC62-0124CE73C30C}" srcOrd="1" destOrd="0" presId="urn:microsoft.com/office/officeart/2005/8/layout/orgChart1"/>
-    <dgm:cxn modelId="{5BC420D6-D08E-4DA0-9E04-64755057C9D8}" type="presOf" srcId="{EBCE5327-7094-46DB-AF3E-880033E3437A}" destId="{BB4ED655-9399-4C7E-A6F0-480BA37361C6}" srcOrd="0" destOrd="0" presId="urn:microsoft.com/office/officeart/2005/8/layout/orgChart1"/>
     <dgm:cxn modelId="{67305B1E-CA64-4083-A4F6-32A778CDAD29}" type="presParOf" srcId="{C1BEAAA8-C749-4D93-BDD4-F85BE3219169}" destId="{FB81B89E-08AF-4197-A305-9CB902A29B03}" srcOrd="0" destOrd="0" presId="urn:microsoft.com/office/officeart/2005/8/layout/orgChart1"/>
     <dgm:cxn modelId="{684DCE8F-49AF-4564-B28F-D49567EC959D}" type="presParOf" srcId="{FB81B89E-08AF-4197-A305-9CB902A29B03}" destId="{0AFA80D4-BBE4-47D7-8503-050CF01D033A}" srcOrd="0" destOrd="0" presId="urn:microsoft.com/office/officeart/2005/8/layout/orgChart1"/>
     <dgm:cxn modelId="{49776BB6-0E40-4DFD-8FB1-E9A0C2217608}" type="presParOf" srcId="{0AFA80D4-BBE4-47D7-8503-050CF01D033A}" destId="{0B1A49C3-4189-4E07-9010-A790373BD2F7}" srcOrd="0" destOrd="0" presId="urn:microsoft.com/office/officeart/2005/8/layout/orgChart1"/>
@@ -3978,7 +3978,7 @@
           <a:p>
             <a:fld id="{62274EC6-3890-417B-9308-14EFBD00FA63}" type="datetimeFigureOut">
               <a:rPr lang="en-US" smtClean="0"/>
-              <a:t>12/27/2017</a:t>
+              <a:t>12/28/2017</a:t>
             </a:fld>
             <a:endParaRPr lang="en-US" dirty="0"/>
           </a:p>
@@ -4784,7 +4784,7 @@
             <a:fld id="{1D8BD707-D9CF-40AE-B4C6-C98DA3205C09}" type="datetimeFigureOut">
               <a:rPr lang="en-US" smtClean="0"/>
               <a:pPr/>
-              <a:t>12/27/2017</a:t>
+              <a:t>12/28/2017</a:t>
             </a:fld>
             <a:endParaRPr lang="en-US" dirty="0"/>
           </a:p>
@@ -4956,7 +4956,7 @@
             <a:fld id="{1D8BD707-D9CF-40AE-B4C6-C98DA3205C09}" type="datetimeFigureOut">
               <a:rPr lang="en-US" smtClean="0"/>
               <a:pPr/>
-              <a:t>12/27/2017</a:t>
+              <a:t>12/28/2017</a:t>
             </a:fld>
             <a:endParaRPr lang="en-US" dirty="0"/>
           </a:p>
@@ -5138,7 +5138,7 @@
             <a:fld id="{1D8BD707-D9CF-40AE-B4C6-C98DA3205C09}" type="datetimeFigureOut">
               <a:rPr lang="en-US" smtClean="0"/>
               <a:pPr/>
-              <a:t>12/27/2017</a:t>
+              <a:t>12/28/2017</a:t>
             </a:fld>
             <a:endParaRPr lang="en-US" dirty="0"/>
           </a:p>
@@ -5310,7 +5310,7 @@
             <a:fld id="{1D8BD707-D9CF-40AE-B4C6-C98DA3205C09}" type="datetimeFigureOut">
               <a:rPr lang="en-US" smtClean="0"/>
               <a:pPr/>
-              <a:t>12/27/2017</a:t>
+              <a:t>12/28/2017</a:t>
             </a:fld>
             <a:endParaRPr lang="en-US" dirty="0"/>
           </a:p>
@@ -5558,7 +5558,7 @@
             <a:fld id="{1D8BD707-D9CF-40AE-B4C6-C98DA3205C09}" type="datetimeFigureOut">
               <a:rPr lang="en-US" smtClean="0"/>
               <a:pPr/>
-              <a:t>12/27/2017</a:t>
+              <a:t>12/28/2017</a:t>
             </a:fld>
             <a:endParaRPr lang="en-US" dirty="0"/>
           </a:p>
@@ -5848,7 +5848,7 @@
             <a:fld id="{1D8BD707-D9CF-40AE-B4C6-C98DA3205C09}" type="datetimeFigureOut">
               <a:rPr lang="en-US" smtClean="0"/>
               <a:pPr/>
-              <a:t>12/27/2017</a:t>
+              <a:t>12/28/2017</a:t>
             </a:fld>
             <a:endParaRPr lang="en-US" dirty="0"/>
           </a:p>
@@ -6277,7 +6277,7 @@
             <a:fld id="{1D8BD707-D9CF-40AE-B4C6-C98DA3205C09}" type="datetimeFigureOut">
               <a:rPr lang="en-US" smtClean="0"/>
               <a:pPr/>
-              <a:t>12/27/2017</a:t>
+              <a:t>12/28/2017</a:t>
             </a:fld>
             <a:endParaRPr lang="en-US" dirty="0"/>
           </a:p>
@@ -6397,7 +6397,7 @@
             <a:fld id="{1D8BD707-D9CF-40AE-B4C6-C98DA3205C09}" type="datetimeFigureOut">
               <a:rPr lang="en-US" smtClean="0"/>
               <a:pPr/>
-              <a:t>12/27/2017</a:t>
+              <a:t>12/28/2017</a:t>
             </a:fld>
             <a:endParaRPr lang="en-US" dirty="0"/>
           </a:p>
@@ -6494,7 +6494,7 @@
             <a:fld id="{1D8BD707-D9CF-40AE-B4C6-C98DA3205C09}" type="datetimeFigureOut">
               <a:rPr lang="en-US" smtClean="0"/>
               <a:pPr/>
-              <a:t>12/27/2017</a:t>
+              <a:t>12/28/2017</a:t>
             </a:fld>
             <a:endParaRPr lang="en-US" dirty="0"/>
           </a:p>
@@ -6773,7 +6773,7 @@
             <a:fld id="{1D8BD707-D9CF-40AE-B4C6-C98DA3205C09}" type="datetimeFigureOut">
               <a:rPr lang="en-US" smtClean="0"/>
               <a:pPr/>
-              <a:t>12/27/2017</a:t>
+              <a:t>12/28/2017</a:t>
             </a:fld>
             <a:endParaRPr lang="en-US" dirty="0"/>
           </a:p>
@@ -7028,7 +7028,7 @@
             <a:fld id="{1D8BD707-D9CF-40AE-B4C6-C98DA3205C09}" type="datetimeFigureOut">
               <a:rPr lang="en-US" smtClean="0"/>
               <a:pPr/>
-              <a:t>12/27/2017</a:t>
+              <a:t>12/28/2017</a:t>
             </a:fld>
             <a:endParaRPr lang="en-US" dirty="0"/>
           </a:p>
@@ -7243,7 +7243,7 @@
             <a:fld id="{1D8BD707-D9CF-40AE-B4C6-C98DA3205C09}" type="datetimeFigureOut">
               <a:rPr lang="en-US" smtClean="0"/>
               <a:pPr/>
-              <a:t>12/27/2017</a:t>
+              <a:t>12/28/2017</a:t>
             </a:fld>
             <a:endParaRPr lang="en-US" dirty="0"/>
           </a:p>
@@ -8332,9 +8332,9 @@
           <a:bodyPr rtlCol="0" anchor="ctr"/>
           <a:lstStyle/>
           <a:p>
-            <a:pPr marL="171450" indent="-171450">
-              <a:buFont typeface="Wingdings" pitchFamily="2" charset="2"/>
-              <a:buChar char="v"/>
+            <a:pPr marL="228600" indent="-228600">
+              <a:buFont typeface="+mj-lt"/>
+              <a:buAutoNum type="arabicPeriod"/>
             </a:pPr>
             <a:r>
               <a:rPr lang="en-US" sz="1100" dirty="0" smtClean="0"/>
@@ -8348,27 +8348,21 @@
               <a:rPr lang="en-US" sz="1100" dirty="0" smtClean="0"/>
               <a:t>instantiate?</a:t>
             </a:r>
-            <a:endParaRPr lang="en-US" sz="1100" dirty="0" smtClean="0"/>
-          </a:p>
-          <a:p>
-            <a:pPr marL="171450" indent="-171450">
-              <a:buFont typeface="Wingdings" pitchFamily="2" charset="2"/>
-              <a:buChar char="v"/>
+          </a:p>
+          <a:p>
+            <a:pPr marL="228600" indent="-228600">
+              <a:buFont typeface="+mj-lt"/>
+              <a:buAutoNum type="arabicPeriod"/>
             </a:pPr>
             <a:r>
               <a:rPr lang="en-US" sz="1100" dirty="0" smtClean="0"/>
-              <a:t>What objects to </a:t>
-            </a:r>
-            <a:r>
-              <a:rPr lang="en-US" sz="1100" dirty="0" smtClean="0"/>
-              <a:t>configure and how to configure?</a:t>
-            </a:r>
-            <a:endParaRPr lang="en-US" sz="1100" dirty="0" smtClean="0"/>
-          </a:p>
-          <a:p>
-            <a:pPr marL="171450" indent="-171450">
-              <a:buFont typeface="Wingdings" pitchFamily="2" charset="2"/>
-              <a:buChar char="v"/>
+              <a:t>What objects to configure and how to configure?</a:t>
+            </a:r>
+          </a:p>
+          <a:p>
+            <a:pPr marL="228600" indent="-228600">
+              <a:buFont typeface="+mj-lt"/>
+              <a:buAutoNum type="arabicPeriod"/>
             </a:pPr>
             <a:r>
               <a:rPr lang="en-US" sz="1100" dirty="0" smtClean="0"/>
@@ -8415,9 +8409,9 @@
           <a:bodyPr rtlCol="0" anchor="ctr"/>
           <a:lstStyle/>
           <a:p>
-            <a:pPr marL="171450" indent="-171450">
-              <a:buFont typeface="Wingdings" pitchFamily="2" charset="2"/>
-              <a:buChar char="v"/>
+            <a:pPr marL="228600" indent="-228600">
+              <a:buFont typeface="+mj-lt"/>
+              <a:buAutoNum type="arabicPeriod"/>
             </a:pPr>
             <a:r>
               <a:rPr lang="en-US" sz="1100" dirty="0"/>
@@ -8433,13 +8427,14 @@
             </a:r>
             <a:r>
               <a:rPr lang="en-US" sz="1100" dirty="0" smtClean="0"/>
-              <a:t>objects</a:t>
-            </a:r>
-          </a:p>
-          <a:p>
-            <a:pPr marL="171450" indent="-171450">
-              <a:buFont typeface="Wingdings" pitchFamily="2" charset="2"/>
-              <a:buChar char="v"/>
+              <a:t>objects.</a:t>
+            </a:r>
+            <a:endParaRPr lang="en-US" sz="1100" dirty="0" smtClean="0"/>
+          </a:p>
+          <a:p>
+            <a:pPr marL="228600" indent="-228600">
+              <a:buFont typeface="+mj-lt"/>
+              <a:buAutoNum type="arabicPeriod"/>
             </a:pPr>
             <a:r>
               <a:rPr lang="en-US" sz="1100" dirty="0"/>
@@ -8447,23 +8442,33 @@
             </a:r>
             <a:r>
               <a:rPr lang="en-US" sz="1100" dirty="0" smtClean="0"/>
-              <a:t>ire the objects together</a:t>
-            </a:r>
-          </a:p>
-          <a:p>
-            <a:pPr marL="171450" indent="-171450">
-              <a:buFont typeface="Wingdings" pitchFamily="2" charset="2"/>
-              <a:buChar char="v"/>
+              <a:t>ire the objects </a:t>
+            </a:r>
+            <a:r>
+              <a:rPr lang="en-US" sz="1100" dirty="0" smtClean="0"/>
+              <a:t>together.</a:t>
+            </a:r>
+            <a:endParaRPr lang="en-US" sz="1100" dirty="0" smtClean="0"/>
+          </a:p>
+          <a:p>
+            <a:pPr marL="228600" indent="-228600">
+              <a:buFont typeface="+mj-lt"/>
+              <a:buAutoNum type="arabicPeriod"/>
             </a:pPr>
             <a:r>
               <a:rPr lang="en-US" sz="1100" dirty="0" smtClean="0"/>
-              <a:t>Configure the  objects</a:t>
-            </a:r>
-          </a:p>
-          <a:p>
-            <a:pPr marL="171450" indent="-171450">
-              <a:buFont typeface="Wingdings" pitchFamily="2" charset="2"/>
-              <a:buChar char="v"/>
+              <a:t>Configure the  </a:t>
+            </a:r>
+            <a:r>
+              <a:rPr lang="en-US" sz="1100" dirty="0" smtClean="0"/>
+              <a:t>objects.</a:t>
+            </a:r>
+            <a:endParaRPr lang="en-US" sz="1100" dirty="0" smtClean="0"/>
+          </a:p>
+          <a:p>
+            <a:pPr marL="228600" indent="-228600">
+              <a:buFont typeface="+mj-lt"/>
+              <a:buAutoNum type="arabicPeriod"/>
             </a:pPr>
             <a:r>
               <a:rPr lang="en-US" sz="1100" dirty="0"/>
